--- a/Image/Qformat.pptx
+++ b/Image/Qformat.pptx
@@ -104,6 +104,11 @@
       </a:defRPr>
     </a:lvl9pPr>
   </p:defaultTextStyle>
+  <p:extLst>
+    <p:ext uri="{EFAFB233-063F-42B5-8137-9DF3F51BA10A}">
+      <p15:sldGuideLst xmlns:p15="http://schemas.microsoft.com/office/powerpoint/2012/main"/>
+    </p:ext>
+  </p:extLst>
 </p:presentation>
 </file>
 
@@ -256,7 +261,7 @@
           <a:p>
             <a:fld id="{8AF8F723-B3E9-4612-AD07-0E9453B6A4B9}" type="datetimeFigureOut">
               <a:rPr lang="fr-BE" smtClean="0"/>
-              <a:t>26-07-20</a:t>
+              <a:t>16-08-20</a:t>
             </a:fld>
             <a:endParaRPr lang="fr-BE"/>
           </a:p>
@@ -456,7 +461,7 @@
           <a:p>
             <a:fld id="{8AF8F723-B3E9-4612-AD07-0E9453B6A4B9}" type="datetimeFigureOut">
               <a:rPr lang="fr-BE" smtClean="0"/>
-              <a:t>26-07-20</a:t>
+              <a:t>16-08-20</a:t>
             </a:fld>
             <a:endParaRPr lang="fr-BE"/>
           </a:p>
@@ -666,7 +671,7 @@
           <a:p>
             <a:fld id="{8AF8F723-B3E9-4612-AD07-0E9453B6A4B9}" type="datetimeFigureOut">
               <a:rPr lang="fr-BE" smtClean="0"/>
-              <a:t>26-07-20</a:t>
+              <a:t>16-08-20</a:t>
             </a:fld>
             <a:endParaRPr lang="fr-BE"/>
           </a:p>
@@ -866,7 +871,7 @@
           <a:p>
             <a:fld id="{8AF8F723-B3E9-4612-AD07-0E9453B6A4B9}" type="datetimeFigureOut">
               <a:rPr lang="fr-BE" smtClean="0"/>
-              <a:t>26-07-20</a:t>
+              <a:t>16-08-20</a:t>
             </a:fld>
             <a:endParaRPr lang="fr-BE"/>
           </a:p>
@@ -1142,7 +1147,7 @@
           <a:p>
             <a:fld id="{8AF8F723-B3E9-4612-AD07-0E9453B6A4B9}" type="datetimeFigureOut">
               <a:rPr lang="fr-BE" smtClean="0"/>
-              <a:t>26-07-20</a:t>
+              <a:t>16-08-20</a:t>
             </a:fld>
             <a:endParaRPr lang="fr-BE"/>
           </a:p>
@@ -1410,7 +1415,7 @@
           <a:p>
             <a:fld id="{8AF8F723-B3E9-4612-AD07-0E9453B6A4B9}" type="datetimeFigureOut">
               <a:rPr lang="fr-BE" smtClean="0"/>
-              <a:t>26-07-20</a:t>
+              <a:t>16-08-20</a:t>
             </a:fld>
             <a:endParaRPr lang="fr-BE"/>
           </a:p>
@@ -1825,7 +1830,7 @@
           <a:p>
             <a:fld id="{8AF8F723-B3E9-4612-AD07-0E9453B6A4B9}" type="datetimeFigureOut">
               <a:rPr lang="fr-BE" smtClean="0"/>
-              <a:t>26-07-20</a:t>
+              <a:t>16-08-20</a:t>
             </a:fld>
             <a:endParaRPr lang="fr-BE"/>
           </a:p>
@@ -1967,7 +1972,7 @@
           <a:p>
             <a:fld id="{8AF8F723-B3E9-4612-AD07-0E9453B6A4B9}" type="datetimeFigureOut">
               <a:rPr lang="fr-BE" smtClean="0"/>
-              <a:t>26-07-20</a:t>
+              <a:t>16-08-20</a:t>
             </a:fld>
             <a:endParaRPr lang="fr-BE"/>
           </a:p>
@@ -2080,7 +2085,7 @@
           <a:p>
             <a:fld id="{8AF8F723-B3E9-4612-AD07-0E9453B6A4B9}" type="datetimeFigureOut">
               <a:rPr lang="fr-BE" smtClean="0"/>
-              <a:t>26-07-20</a:t>
+              <a:t>16-08-20</a:t>
             </a:fld>
             <a:endParaRPr lang="fr-BE"/>
           </a:p>
@@ -2393,7 +2398,7 @@
           <a:p>
             <a:fld id="{8AF8F723-B3E9-4612-AD07-0E9453B6A4B9}" type="datetimeFigureOut">
               <a:rPr lang="fr-BE" smtClean="0"/>
-              <a:t>26-07-20</a:t>
+              <a:t>16-08-20</a:t>
             </a:fld>
             <a:endParaRPr lang="fr-BE"/>
           </a:p>
@@ -2682,7 +2687,7 @@
           <a:p>
             <a:fld id="{8AF8F723-B3E9-4612-AD07-0E9453B6A4B9}" type="datetimeFigureOut">
               <a:rPr lang="fr-BE" smtClean="0"/>
-              <a:t>26-07-20</a:t>
+              <a:t>16-08-20</a:t>
             </a:fld>
             <a:endParaRPr lang="fr-BE"/>
           </a:p>
@@ -2925,7 +2930,7 @@
           <a:p>
             <a:fld id="{8AF8F723-B3E9-4612-AD07-0E9453B6A4B9}" type="datetimeFigureOut">
               <a:rPr lang="fr-BE" smtClean="0"/>
-              <a:t>26-07-20</a:t>
+              <a:t>16-08-20</a:t>
             </a:fld>
             <a:endParaRPr lang="fr-BE"/>
           </a:p>
@@ -3385,14 +3390,14 @@
           <a:p>
             <a:pPr algn="ctr"/>
             <a:r>
-              <a:rPr lang="fr-FR" dirty="0" err="1"/>
+              <a:rPr lang="fr-FR" sz="2300" dirty="0" err="1"/>
               <a:t>Sign</a:t>
             </a:r>
             <a:r>
-              <a:rPr lang="fr-FR" dirty="0"/>
+              <a:rPr lang="fr-FR" sz="2300" dirty="0"/>
               <a:t> bit</a:t>
             </a:r>
-            <a:endParaRPr lang="fr-BE" dirty="0"/>
+            <a:endParaRPr lang="fr-BE" sz="2300" dirty="0"/>
           </a:p>
         </p:txBody>
       </p:sp>
@@ -3825,8 +3830,8 @@
         </p:nvSpPr>
         <p:spPr>
           <a:xfrm>
-            <a:off x="2290650" y="2981342"/>
-            <a:ext cx="1434518" cy="646331"/>
+            <a:off x="2150760" y="2981342"/>
+            <a:ext cx="1714297" cy="830997"/>
           </a:xfrm>
           <a:prstGeom prst="rect">
             <a:avLst/>
@@ -3841,17 +3846,17 @@
           <a:p>
             <a:pPr algn="ctr"/>
             <a:r>
-              <a:rPr lang="fr-FR" dirty="0"/>
+              <a:rPr lang="fr-FR" sz="2400" dirty="0"/>
               <a:t>Integer part</a:t>
             </a:r>
           </a:p>
           <a:p>
             <a:pPr algn="ctr"/>
             <a:r>
-              <a:rPr lang="fr-FR" dirty="0"/>
+              <a:rPr lang="fr-FR" sz="2400" dirty="0"/>
               <a:t>(m bits)</a:t>
             </a:r>
-            <a:endParaRPr lang="fr-BE" dirty="0"/>
+            <a:endParaRPr lang="fr-BE" sz="2400" dirty="0"/>
           </a:p>
         </p:txBody>
       </p:sp>
@@ -4004,8 +4009,8 @@
         </p:nvSpPr>
         <p:spPr>
           <a:xfrm>
-            <a:off x="4529258" y="3059668"/>
-            <a:ext cx="2357301" cy="369332"/>
+            <a:off x="4529258" y="3072117"/>
+            <a:ext cx="2357301" cy="830997"/>
           </a:xfrm>
           <a:prstGeom prst="rect">
             <a:avLst/>
@@ -4020,22 +4025,22 @@
           <a:p>
             <a:pPr algn="ctr"/>
             <a:r>
-              <a:rPr lang="en-US" dirty="0"/>
+              <a:rPr lang="en-US" sz="2400" dirty="0"/>
               <a:t>Implied</a:t>
             </a:r>
             <a:r>
-              <a:rPr lang="fr-FR" dirty="0"/>
+              <a:rPr lang="fr-FR" sz="2400" dirty="0"/>
               <a:t> </a:t>
             </a:r>
             <a:r>
-              <a:rPr lang="en-US" dirty="0"/>
+              <a:rPr lang="en-US" sz="2400" dirty="0"/>
               <a:t>binary</a:t>
             </a:r>
             <a:r>
-              <a:rPr lang="fr-FR" dirty="0"/>
+              <a:rPr lang="fr-FR" sz="2400" dirty="0"/>
               <a:t> point</a:t>
             </a:r>
-            <a:endParaRPr lang="fr-BE" dirty="0"/>
+            <a:endParaRPr lang="fr-BE" sz="2400" dirty="0"/>
           </a:p>
         </p:txBody>
       </p:sp>
@@ -4053,8 +4058,8 @@
         </p:nvSpPr>
         <p:spPr>
           <a:xfrm>
-            <a:off x="4450650" y="933136"/>
-            <a:ext cx="1434518" cy="369332"/>
+            <a:off x="4450650" y="886970"/>
+            <a:ext cx="1434518" cy="461665"/>
           </a:xfrm>
           <a:prstGeom prst="rect">
             <a:avLst/>
@@ -4069,10 +4074,10 @@
           <a:p>
             <a:pPr algn="ctr"/>
             <a:r>
-              <a:rPr lang="fr-FR" dirty="0"/>
+              <a:rPr lang="fr-FR" sz="2400" dirty="0"/>
               <a:t>N bits</a:t>
             </a:r>
-            <a:endParaRPr lang="fr-BE" dirty="0"/>
+            <a:endParaRPr lang="fr-BE" sz="2400" dirty="0"/>
           </a:p>
         </p:txBody>
       </p:sp>
@@ -4090,8 +4095,8 @@
         </p:nvSpPr>
         <p:spPr>
           <a:xfrm>
-            <a:off x="7089352" y="2981342"/>
-            <a:ext cx="1557113" cy="646331"/>
+            <a:off x="6857365" y="2981342"/>
+            <a:ext cx="2021087" cy="830997"/>
           </a:xfrm>
           <a:prstGeom prst="rect">
             <a:avLst/>
@@ -4106,21 +4111,16 @@
           <a:p>
             <a:pPr algn="ctr"/>
             <a:r>
-              <a:rPr lang="fr-FR" dirty="0" err="1"/>
-              <a:t>Fractional</a:t>
-            </a:r>
-            <a:r>
-              <a:rPr lang="fr-FR" dirty="0"/>
-              <a:t> part</a:t>
+              <a:rPr lang="en-US" sz="2400" dirty="0"/>
+              <a:t>Fractional part</a:t>
             </a:r>
           </a:p>
           <a:p>
             <a:pPr algn="ctr"/>
             <a:r>
-              <a:rPr lang="fr-FR" dirty="0"/>
+              <a:rPr lang="en-US" sz="2400" dirty="0"/>
               <a:t>(n bits)</a:t>
             </a:r>
-            <a:endParaRPr lang="fr-BE" dirty="0"/>
           </a:p>
         </p:txBody>
       </p:sp>
